--- a/week4/并发脑图.pptx
+++ b/week4/并发脑图.pptx
@@ -104,6 +104,11 @@
       </a:defRPr>
     </a:lvl9pPr>
   </p:defaultTextStyle>
+  <p:extLst>
+    <p:ext uri="{EFAFB233-063F-42B5-8137-9DF3F51BA10A}">
+      <p15:sldGuideLst xmlns:p15="http://schemas.microsoft.com/office/powerpoint/2012/main"/>
+    </p:ext>
+  </p:extLst>
 </p:presentation>
 </file>
 
@@ -5289,6 +5294,872 @@
           </a:p>
         </p:txBody>
       </p:sp>
+      <p:sp>
+        <p:nvSpPr>
+          <p:cNvPr id="26" name="文本框 25">
+            <a:extLst>
+              <a:ext uri="{FF2B5EF4-FFF2-40B4-BE49-F238E27FC236}">
+                <a16:creationId xmlns:a16="http://schemas.microsoft.com/office/drawing/2014/main" id="{DB64788B-89C1-424B-847F-7DB35289230E}"/>
+              </a:ext>
+            </a:extLst>
+          </p:cNvPr>
+          <p:cNvSpPr txBox="1"/>
+          <p:nvPr/>
+        </p:nvSpPr>
+        <p:spPr>
+          <a:xfrm>
+            <a:off x="5588345" y="3509411"/>
+            <a:ext cx="575720" cy="369332"/>
+          </a:xfrm>
+          <a:prstGeom prst="rect">
+            <a:avLst/>
+          </a:prstGeom>
+          <a:noFill/>
+        </p:spPr>
+        <p:txBody>
+          <a:bodyPr wrap="square" rtlCol="0">
+            <a:spAutoFit/>
+          </a:bodyPr>
+          <a:lstStyle/>
+          <a:p>
+            <a:r>
+              <a:rPr lang="zh-CN" altLang="en-US" dirty="0"/>
+              <a:t>锁</a:t>
+            </a:r>
+          </a:p>
+        </p:txBody>
+      </p:sp>
+      <p:sp>
+        <p:nvSpPr>
+          <p:cNvPr id="31" name="左大括号 30">
+            <a:extLst>
+              <a:ext uri="{FF2B5EF4-FFF2-40B4-BE49-F238E27FC236}">
+                <a16:creationId xmlns:a16="http://schemas.microsoft.com/office/drawing/2014/main" id="{B06249EB-4597-4EB8-8ED5-1BC50C99DD03}"/>
+              </a:ext>
+            </a:extLst>
+          </p:cNvPr>
+          <p:cNvSpPr/>
+          <p:nvPr/>
+        </p:nvSpPr>
+        <p:spPr>
+          <a:xfrm>
+            <a:off x="5974301" y="2645425"/>
+            <a:ext cx="218623" cy="1996309"/>
+          </a:xfrm>
+          <a:prstGeom prst="leftBrace">
+            <a:avLst/>
+          </a:prstGeom>
+        </p:spPr>
+        <p:style>
+          <a:lnRef idx="1">
+            <a:schemeClr val="accent1"/>
+          </a:lnRef>
+          <a:fillRef idx="0">
+            <a:schemeClr val="accent1"/>
+          </a:fillRef>
+          <a:effectRef idx="0">
+            <a:schemeClr val="accent1"/>
+          </a:effectRef>
+          <a:fontRef idx="minor">
+            <a:schemeClr val="tx1"/>
+          </a:fontRef>
+        </p:style>
+        <p:txBody>
+          <a:bodyPr rtlCol="0" anchor="ctr"/>
+          <a:lstStyle/>
+          <a:p>
+            <a:pPr algn="ctr"/>
+            <a:endParaRPr lang="zh-CN" altLang="en-US"/>
+          </a:p>
+        </p:txBody>
+      </p:sp>
+      <p:sp>
+        <p:nvSpPr>
+          <p:cNvPr id="36" name="文本框 35">
+            <a:extLst>
+              <a:ext uri="{FF2B5EF4-FFF2-40B4-BE49-F238E27FC236}">
+                <a16:creationId xmlns:a16="http://schemas.microsoft.com/office/drawing/2014/main" id="{5BB97E66-E079-4372-BE81-B6A1129B5A0A}"/>
+              </a:ext>
+            </a:extLst>
+          </p:cNvPr>
+          <p:cNvSpPr txBox="1"/>
+          <p:nvPr/>
+        </p:nvSpPr>
+        <p:spPr>
+          <a:xfrm>
+            <a:off x="6170349" y="2545991"/>
+            <a:ext cx="854857" cy="230832"/>
+          </a:xfrm>
+          <a:prstGeom prst="rect">
+            <a:avLst/>
+          </a:prstGeom>
+          <a:noFill/>
+        </p:spPr>
+        <p:txBody>
+          <a:bodyPr wrap="square" rtlCol="0">
+            <a:spAutoFit/>
+          </a:bodyPr>
+          <a:lstStyle/>
+          <a:p>
+            <a:r>
+              <a:rPr lang="en-US" altLang="zh-CN" sz="900" dirty="0"/>
+              <a:t>synchronized</a:t>
+            </a:r>
+            <a:endParaRPr lang="zh-CN" altLang="en-US" sz="900" dirty="0"/>
+          </a:p>
+        </p:txBody>
+      </p:sp>
+      <p:sp>
+        <p:nvSpPr>
+          <p:cNvPr id="56" name="左大括号 55">
+            <a:extLst>
+              <a:ext uri="{FF2B5EF4-FFF2-40B4-BE49-F238E27FC236}">
+                <a16:creationId xmlns:a16="http://schemas.microsoft.com/office/drawing/2014/main" id="{2D2324F8-5618-4705-BEE5-A7406D6DC746}"/>
+              </a:ext>
+            </a:extLst>
+          </p:cNvPr>
+          <p:cNvSpPr/>
+          <p:nvPr/>
+        </p:nvSpPr>
+        <p:spPr>
+          <a:xfrm>
+            <a:off x="7060292" y="2178448"/>
+            <a:ext cx="155448" cy="914400"/>
+          </a:xfrm>
+          <a:prstGeom prst="leftBrace">
+            <a:avLst/>
+          </a:prstGeom>
+        </p:spPr>
+        <p:style>
+          <a:lnRef idx="1">
+            <a:schemeClr val="accent1"/>
+          </a:lnRef>
+          <a:fillRef idx="0">
+            <a:schemeClr val="accent1"/>
+          </a:fillRef>
+          <a:effectRef idx="0">
+            <a:schemeClr val="accent1"/>
+          </a:effectRef>
+          <a:fontRef idx="minor">
+            <a:schemeClr val="tx1"/>
+          </a:fontRef>
+        </p:style>
+        <p:txBody>
+          <a:bodyPr rtlCol="0" anchor="ctr"/>
+          <a:lstStyle/>
+          <a:p>
+            <a:pPr algn="ctr"/>
+            <a:endParaRPr lang="zh-CN" altLang="en-US"/>
+          </a:p>
+        </p:txBody>
+      </p:sp>
+      <p:sp>
+        <p:nvSpPr>
+          <p:cNvPr id="57" name="文本框 56">
+            <a:extLst>
+              <a:ext uri="{FF2B5EF4-FFF2-40B4-BE49-F238E27FC236}">
+                <a16:creationId xmlns:a16="http://schemas.microsoft.com/office/drawing/2014/main" id="{D23EBE25-2D83-4ED4-BC68-CEE17B29EA6B}"/>
+              </a:ext>
+            </a:extLst>
+          </p:cNvPr>
+          <p:cNvSpPr txBox="1"/>
+          <p:nvPr/>
+        </p:nvSpPr>
+        <p:spPr>
+          <a:xfrm>
+            <a:off x="7250826" y="2077340"/>
+            <a:ext cx="652188" cy="230832"/>
+          </a:xfrm>
+          <a:prstGeom prst="rect">
+            <a:avLst/>
+          </a:prstGeom>
+          <a:noFill/>
+        </p:spPr>
+        <p:txBody>
+          <a:bodyPr wrap="square" rtlCol="0">
+            <a:spAutoFit/>
+          </a:bodyPr>
+          <a:lstStyle/>
+          <a:p>
+            <a:r>
+              <a:rPr lang="zh-CN" altLang="en-US" sz="900" dirty="0"/>
+              <a:t>实现机制</a:t>
+            </a:r>
+          </a:p>
+        </p:txBody>
+      </p:sp>
+      <p:sp>
+        <p:nvSpPr>
+          <p:cNvPr id="58" name="文本框 57">
+            <a:extLst>
+              <a:ext uri="{FF2B5EF4-FFF2-40B4-BE49-F238E27FC236}">
+                <a16:creationId xmlns:a16="http://schemas.microsoft.com/office/drawing/2014/main" id="{20B9B822-F478-432E-93BD-1011BF085701}"/>
+              </a:ext>
+            </a:extLst>
+          </p:cNvPr>
+          <p:cNvSpPr txBox="1"/>
+          <p:nvPr/>
+        </p:nvSpPr>
+        <p:spPr>
+          <a:xfrm>
+            <a:off x="7286661" y="2471422"/>
+            <a:ext cx="445789" cy="230832"/>
+          </a:xfrm>
+          <a:prstGeom prst="rect">
+            <a:avLst/>
+          </a:prstGeom>
+          <a:noFill/>
+        </p:spPr>
+        <p:txBody>
+          <a:bodyPr wrap="square" rtlCol="0">
+            <a:spAutoFit/>
+          </a:bodyPr>
+          <a:lstStyle/>
+          <a:p>
+            <a:r>
+              <a:rPr lang="zh-CN" altLang="en-US" sz="900" dirty="0"/>
+              <a:t>通信</a:t>
+            </a:r>
+          </a:p>
+        </p:txBody>
+      </p:sp>
+      <p:sp>
+        <p:nvSpPr>
+          <p:cNvPr id="59" name="左大括号 58">
+            <a:extLst>
+              <a:ext uri="{FF2B5EF4-FFF2-40B4-BE49-F238E27FC236}">
+                <a16:creationId xmlns:a16="http://schemas.microsoft.com/office/drawing/2014/main" id="{AF55D19E-6315-435E-8A2D-AC241432CD36}"/>
+              </a:ext>
+            </a:extLst>
+          </p:cNvPr>
+          <p:cNvSpPr/>
+          <p:nvPr/>
+        </p:nvSpPr>
+        <p:spPr>
+          <a:xfrm>
+            <a:off x="7857295" y="2471422"/>
+            <a:ext cx="45719" cy="305401"/>
+          </a:xfrm>
+          <a:prstGeom prst="leftBrace">
+            <a:avLst/>
+          </a:prstGeom>
+        </p:spPr>
+        <p:style>
+          <a:lnRef idx="1">
+            <a:schemeClr val="accent1"/>
+          </a:lnRef>
+          <a:fillRef idx="0">
+            <a:schemeClr val="accent1"/>
+          </a:fillRef>
+          <a:effectRef idx="0">
+            <a:schemeClr val="accent1"/>
+          </a:effectRef>
+          <a:fontRef idx="minor">
+            <a:schemeClr val="tx1"/>
+          </a:fontRef>
+        </p:style>
+        <p:txBody>
+          <a:bodyPr rtlCol="0" anchor="ctr"/>
+          <a:lstStyle/>
+          <a:p>
+            <a:pPr algn="ctr"/>
+            <a:endParaRPr lang="zh-CN" altLang="en-US"/>
+          </a:p>
+        </p:txBody>
+      </p:sp>
+      <p:sp>
+        <p:nvSpPr>
+          <p:cNvPr id="60" name="文本框 59">
+            <a:extLst>
+              <a:ext uri="{FF2B5EF4-FFF2-40B4-BE49-F238E27FC236}">
+                <a16:creationId xmlns:a16="http://schemas.microsoft.com/office/drawing/2014/main" id="{4E5BF96B-439D-4B86-AB5E-76DA95ACDF7C}"/>
+              </a:ext>
+            </a:extLst>
+          </p:cNvPr>
+          <p:cNvSpPr txBox="1"/>
+          <p:nvPr/>
+        </p:nvSpPr>
+        <p:spPr>
+          <a:xfrm>
+            <a:off x="7857295" y="2356006"/>
+            <a:ext cx="516710" cy="230832"/>
+          </a:xfrm>
+          <a:prstGeom prst="rect">
+            <a:avLst/>
+          </a:prstGeom>
+          <a:noFill/>
+        </p:spPr>
+        <p:txBody>
+          <a:bodyPr wrap="square" rtlCol="0">
+            <a:spAutoFit/>
+          </a:bodyPr>
+          <a:lstStyle/>
+          <a:p>
+            <a:r>
+              <a:rPr lang="en-US" altLang="zh-CN" sz="900" dirty="0"/>
+              <a:t>wait</a:t>
+            </a:r>
+            <a:endParaRPr lang="zh-CN" altLang="en-US" sz="900" dirty="0"/>
+          </a:p>
+        </p:txBody>
+      </p:sp>
+      <p:sp>
+        <p:nvSpPr>
+          <p:cNvPr id="61" name="文本框 60">
+            <a:extLst>
+              <a:ext uri="{FF2B5EF4-FFF2-40B4-BE49-F238E27FC236}">
+                <a16:creationId xmlns:a16="http://schemas.microsoft.com/office/drawing/2014/main" id="{693813C8-E341-400A-A21A-73FCF073F379}"/>
+              </a:ext>
+            </a:extLst>
+          </p:cNvPr>
+          <p:cNvSpPr txBox="1"/>
+          <p:nvPr/>
+        </p:nvSpPr>
+        <p:spPr>
+          <a:xfrm>
+            <a:off x="7849211" y="2506911"/>
+            <a:ext cx="1087822" cy="230832"/>
+          </a:xfrm>
+          <a:prstGeom prst="rect">
+            <a:avLst/>
+          </a:prstGeom>
+          <a:noFill/>
+        </p:spPr>
+        <p:txBody>
+          <a:bodyPr wrap="square" rtlCol="0">
+            <a:spAutoFit/>
+          </a:bodyPr>
+          <a:lstStyle/>
+          <a:p>
+            <a:r>
+              <a:rPr lang="en-US" altLang="zh-CN" sz="900" dirty="0"/>
+              <a:t>notify/</a:t>
+            </a:r>
+            <a:r>
+              <a:rPr lang="en-US" altLang="zh-CN" sz="900" dirty="0" err="1"/>
+              <a:t>notifyAll</a:t>
+            </a:r>
+            <a:endParaRPr lang="zh-CN" altLang="en-US" sz="900" dirty="0"/>
+          </a:p>
+        </p:txBody>
+      </p:sp>
+      <p:sp>
+        <p:nvSpPr>
+          <p:cNvPr id="62" name="文本框 61">
+            <a:extLst>
+              <a:ext uri="{FF2B5EF4-FFF2-40B4-BE49-F238E27FC236}">
+                <a16:creationId xmlns:a16="http://schemas.microsoft.com/office/drawing/2014/main" id="{1A5DD703-A7D9-4696-A62B-54461AA0DC3E}"/>
+              </a:ext>
+            </a:extLst>
+          </p:cNvPr>
+          <p:cNvSpPr txBox="1"/>
+          <p:nvPr/>
+        </p:nvSpPr>
+        <p:spPr>
+          <a:xfrm>
+            <a:off x="7887174" y="2654395"/>
+            <a:ext cx="550221" cy="230832"/>
+          </a:xfrm>
+          <a:prstGeom prst="rect">
+            <a:avLst/>
+          </a:prstGeom>
+          <a:noFill/>
+        </p:spPr>
+        <p:txBody>
+          <a:bodyPr wrap="square" rtlCol="0">
+            <a:spAutoFit/>
+          </a:bodyPr>
+          <a:lstStyle/>
+          <a:p>
+            <a:r>
+              <a:rPr lang="en-US" altLang="zh-CN" sz="900" dirty="0"/>
+              <a:t>Join</a:t>
+            </a:r>
+          </a:p>
+        </p:txBody>
+      </p:sp>
+      <p:sp>
+        <p:nvSpPr>
+          <p:cNvPr id="63" name="文本框 62">
+            <a:extLst>
+              <a:ext uri="{FF2B5EF4-FFF2-40B4-BE49-F238E27FC236}">
+                <a16:creationId xmlns:a16="http://schemas.microsoft.com/office/drawing/2014/main" id="{0E43EC70-F918-4C0D-B22D-086F5F2B1025}"/>
+              </a:ext>
+            </a:extLst>
+          </p:cNvPr>
+          <p:cNvSpPr txBox="1"/>
+          <p:nvPr/>
+        </p:nvSpPr>
+        <p:spPr>
+          <a:xfrm>
+            <a:off x="6258757" y="4479648"/>
+            <a:ext cx="408373" cy="230832"/>
+          </a:xfrm>
+          <a:prstGeom prst="rect">
+            <a:avLst/>
+          </a:prstGeom>
+          <a:noFill/>
+        </p:spPr>
+        <p:txBody>
+          <a:bodyPr wrap="square" rtlCol="0">
+            <a:spAutoFit/>
+          </a:bodyPr>
+          <a:lstStyle/>
+          <a:p>
+            <a:r>
+              <a:rPr lang="en-US" altLang="zh-CN" sz="900" dirty="0"/>
+              <a:t>Lock</a:t>
+            </a:r>
+          </a:p>
+        </p:txBody>
+      </p:sp>
+      <p:sp>
+        <p:nvSpPr>
+          <p:cNvPr id="64" name="左大括号 63">
+            <a:extLst>
+              <a:ext uri="{FF2B5EF4-FFF2-40B4-BE49-F238E27FC236}">
+                <a16:creationId xmlns:a16="http://schemas.microsoft.com/office/drawing/2014/main" id="{CE47B09E-AF8D-4C4B-9BCD-1ECF5AC24316}"/>
+              </a:ext>
+            </a:extLst>
+          </p:cNvPr>
+          <p:cNvSpPr/>
+          <p:nvPr/>
+        </p:nvSpPr>
+        <p:spPr>
+          <a:xfrm>
+            <a:off x="6794386" y="3739712"/>
+            <a:ext cx="175326" cy="1737403"/>
+          </a:xfrm>
+          <a:prstGeom prst="leftBrace">
+            <a:avLst/>
+          </a:prstGeom>
+        </p:spPr>
+        <p:style>
+          <a:lnRef idx="1">
+            <a:schemeClr val="accent1"/>
+          </a:lnRef>
+          <a:fillRef idx="0">
+            <a:schemeClr val="accent1"/>
+          </a:fillRef>
+          <a:effectRef idx="0">
+            <a:schemeClr val="accent1"/>
+          </a:effectRef>
+          <a:fontRef idx="minor">
+            <a:schemeClr val="tx1"/>
+          </a:fontRef>
+        </p:style>
+        <p:txBody>
+          <a:bodyPr rtlCol="0" anchor="ctr"/>
+          <a:lstStyle/>
+          <a:p>
+            <a:pPr algn="ctr"/>
+            <a:endParaRPr lang="zh-CN" altLang="en-US"/>
+          </a:p>
+        </p:txBody>
+      </p:sp>
+      <p:sp>
+        <p:nvSpPr>
+          <p:cNvPr id="65" name="文本框 64">
+            <a:extLst>
+              <a:ext uri="{FF2B5EF4-FFF2-40B4-BE49-F238E27FC236}">
+                <a16:creationId xmlns:a16="http://schemas.microsoft.com/office/drawing/2014/main" id="{4BAACE3D-3722-4B5B-B1C0-5633E7C315C2}"/>
+              </a:ext>
+            </a:extLst>
+          </p:cNvPr>
+          <p:cNvSpPr txBox="1"/>
+          <p:nvPr/>
+        </p:nvSpPr>
+        <p:spPr>
+          <a:xfrm>
+            <a:off x="7043693" y="3636767"/>
+            <a:ext cx="688757" cy="230832"/>
+          </a:xfrm>
+          <a:prstGeom prst="rect">
+            <a:avLst/>
+          </a:prstGeom>
+          <a:noFill/>
+        </p:spPr>
+        <p:txBody>
+          <a:bodyPr wrap="square" rtlCol="0">
+            <a:spAutoFit/>
+          </a:bodyPr>
+          <a:lstStyle/>
+          <a:p>
+            <a:r>
+              <a:rPr lang="en-US" altLang="zh-CN" sz="900" dirty="0"/>
+              <a:t>Lock</a:t>
+            </a:r>
+            <a:r>
+              <a:rPr lang="zh-CN" altLang="en-US" sz="900" dirty="0"/>
+              <a:t>方法</a:t>
+            </a:r>
+          </a:p>
+        </p:txBody>
+      </p:sp>
+      <p:sp>
+        <p:nvSpPr>
+          <p:cNvPr id="66" name="左大括号 65">
+            <a:extLst>
+              <a:ext uri="{FF2B5EF4-FFF2-40B4-BE49-F238E27FC236}">
+                <a16:creationId xmlns:a16="http://schemas.microsoft.com/office/drawing/2014/main" id="{323438C5-67FF-42E7-8986-E255DD74D875}"/>
+              </a:ext>
+            </a:extLst>
+          </p:cNvPr>
+          <p:cNvSpPr/>
+          <p:nvPr/>
+        </p:nvSpPr>
+        <p:spPr>
+          <a:xfrm>
+            <a:off x="7630588" y="3405936"/>
+            <a:ext cx="218623" cy="597214"/>
+          </a:xfrm>
+          <a:prstGeom prst="leftBrace">
+            <a:avLst/>
+          </a:prstGeom>
+        </p:spPr>
+        <p:style>
+          <a:lnRef idx="1">
+            <a:schemeClr val="accent1"/>
+          </a:lnRef>
+          <a:fillRef idx="0">
+            <a:schemeClr val="accent1"/>
+          </a:fillRef>
+          <a:effectRef idx="0">
+            <a:schemeClr val="accent1"/>
+          </a:effectRef>
+          <a:fontRef idx="minor">
+            <a:schemeClr val="tx1"/>
+          </a:fontRef>
+        </p:style>
+        <p:txBody>
+          <a:bodyPr rtlCol="0" anchor="ctr"/>
+          <a:lstStyle/>
+          <a:p>
+            <a:pPr algn="ctr"/>
+            <a:endParaRPr lang="zh-CN" altLang="en-US"/>
+          </a:p>
+        </p:txBody>
+      </p:sp>
+      <p:sp>
+        <p:nvSpPr>
+          <p:cNvPr id="67" name="文本框 66">
+            <a:extLst>
+              <a:ext uri="{FF2B5EF4-FFF2-40B4-BE49-F238E27FC236}">
+                <a16:creationId xmlns:a16="http://schemas.microsoft.com/office/drawing/2014/main" id="{76FF9A06-D5E3-4855-A089-94398146F496}"/>
+              </a:ext>
+            </a:extLst>
+          </p:cNvPr>
+          <p:cNvSpPr txBox="1"/>
+          <p:nvPr/>
+        </p:nvSpPr>
+        <p:spPr>
+          <a:xfrm>
+            <a:off x="7811145" y="3255030"/>
+            <a:ext cx="1390315" cy="230832"/>
+          </a:xfrm>
+          <a:prstGeom prst="rect">
+            <a:avLst/>
+          </a:prstGeom>
+          <a:noFill/>
+        </p:spPr>
+        <p:txBody>
+          <a:bodyPr wrap="square" rtlCol="0">
+            <a:spAutoFit/>
+          </a:bodyPr>
+          <a:lstStyle/>
+          <a:p>
+            <a:r>
+              <a:rPr lang="en-US" altLang="zh-CN" sz="900" dirty="0"/>
+              <a:t>Lock/</a:t>
+            </a:r>
+            <a:r>
+              <a:rPr lang="en-US" altLang="zh-CN" sz="900" dirty="0" err="1"/>
+              <a:t>lockInterrupterbly</a:t>
+            </a:r>
+            <a:endParaRPr lang="zh-CN" altLang="en-US" sz="900" dirty="0"/>
+          </a:p>
+        </p:txBody>
+      </p:sp>
+      <p:sp>
+        <p:nvSpPr>
+          <p:cNvPr id="68" name="文本框 67">
+            <a:extLst>
+              <a:ext uri="{FF2B5EF4-FFF2-40B4-BE49-F238E27FC236}">
+                <a16:creationId xmlns:a16="http://schemas.microsoft.com/office/drawing/2014/main" id="{133FE2E2-498E-4C48-9AFE-549DABA8CE3F}"/>
+              </a:ext>
+            </a:extLst>
+          </p:cNvPr>
+          <p:cNvSpPr txBox="1"/>
+          <p:nvPr/>
+        </p:nvSpPr>
+        <p:spPr>
+          <a:xfrm>
+            <a:off x="7844988" y="3473492"/>
+            <a:ext cx="576875" cy="230832"/>
+          </a:xfrm>
+          <a:prstGeom prst="rect">
+            <a:avLst/>
+          </a:prstGeom>
+          <a:noFill/>
+        </p:spPr>
+        <p:txBody>
+          <a:bodyPr wrap="square" rtlCol="0">
+            <a:spAutoFit/>
+          </a:bodyPr>
+          <a:lstStyle/>
+          <a:p>
+            <a:r>
+              <a:rPr lang="en-US" altLang="zh-CN" sz="900" dirty="0"/>
+              <a:t>unlock</a:t>
+            </a:r>
+            <a:endParaRPr lang="zh-CN" altLang="en-US" sz="900" dirty="0"/>
+          </a:p>
+        </p:txBody>
+      </p:sp>
+      <p:sp>
+        <p:nvSpPr>
+          <p:cNvPr id="69" name="文本框 68">
+            <a:extLst>
+              <a:ext uri="{FF2B5EF4-FFF2-40B4-BE49-F238E27FC236}">
+                <a16:creationId xmlns:a16="http://schemas.microsoft.com/office/drawing/2014/main" id="{31E140C8-6798-48CF-94BF-8DD6315B776C}"/>
+              </a:ext>
+            </a:extLst>
+          </p:cNvPr>
+          <p:cNvSpPr txBox="1"/>
+          <p:nvPr/>
+        </p:nvSpPr>
+        <p:spPr>
+          <a:xfrm>
+            <a:off x="7858141" y="3647911"/>
+            <a:ext cx="670212" cy="230832"/>
+          </a:xfrm>
+          <a:prstGeom prst="rect">
+            <a:avLst/>
+          </a:prstGeom>
+          <a:noFill/>
+        </p:spPr>
+        <p:txBody>
+          <a:bodyPr wrap="square" rtlCol="0">
+            <a:spAutoFit/>
+          </a:bodyPr>
+          <a:lstStyle/>
+          <a:p>
+            <a:r>
+              <a:rPr lang="en-US" altLang="zh-CN" sz="900" dirty="0" err="1"/>
+              <a:t>tryLock</a:t>
+            </a:r>
+            <a:endParaRPr lang="zh-CN" altLang="en-US" sz="900" dirty="0"/>
+          </a:p>
+        </p:txBody>
+      </p:sp>
+      <p:sp>
+        <p:nvSpPr>
+          <p:cNvPr id="70" name="文本框 69">
+            <a:extLst>
+              <a:ext uri="{FF2B5EF4-FFF2-40B4-BE49-F238E27FC236}">
+                <a16:creationId xmlns:a16="http://schemas.microsoft.com/office/drawing/2014/main" id="{9320741F-31E8-410E-83CD-F59D0D505B83}"/>
+              </a:ext>
+            </a:extLst>
+          </p:cNvPr>
+          <p:cNvSpPr txBox="1"/>
+          <p:nvPr/>
+        </p:nvSpPr>
+        <p:spPr>
+          <a:xfrm>
+            <a:off x="7841091" y="3856493"/>
+            <a:ext cx="930653" cy="230832"/>
+          </a:xfrm>
+          <a:prstGeom prst="rect">
+            <a:avLst/>
+          </a:prstGeom>
+          <a:noFill/>
+        </p:spPr>
+        <p:txBody>
+          <a:bodyPr wrap="square" rtlCol="0">
+            <a:spAutoFit/>
+          </a:bodyPr>
+          <a:lstStyle/>
+          <a:p>
+            <a:r>
+              <a:rPr lang="en-US" altLang="zh-CN" sz="900" dirty="0" err="1"/>
+              <a:t>newCondition</a:t>
+            </a:r>
+            <a:endParaRPr lang="zh-CN" altLang="en-US" sz="900" dirty="0"/>
+          </a:p>
+        </p:txBody>
+      </p:sp>
+      <p:sp>
+        <p:nvSpPr>
+          <p:cNvPr id="71" name="文本框 70">
+            <a:extLst>
+              <a:ext uri="{FF2B5EF4-FFF2-40B4-BE49-F238E27FC236}">
+                <a16:creationId xmlns:a16="http://schemas.microsoft.com/office/drawing/2014/main" id="{8F7748F1-6353-439E-912D-D3DC437BBC18}"/>
+              </a:ext>
+            </a:extLst>
+          </p:cNvPr>
+          <p:cNvSpPr txBox="1"/>
+          <p:nvPr/>
+        </p:nvSpPr>
+        <p:spPr>
+          <a:xfrm>
+            <a:off x="7060292" y="4295907"/>
+            <a:ext cx="976888" cy="230832"/>
+          </a:xfrm>
+          <a:prstGeom prst="rect">
+            <a:avLst/>
+          </a:prstGeom>
+          <a:noFill/>
+        </p:spPr>
+        <p:txBody>
+          <a:bodyPr wrap="square" rtlCol="0">
+            <a:spAutoFit/>
+          </a:bodyPr>
+          <a:lstStyle/>
+          <a:p>
+            <a:r>
+              <a:rPr lang="zh-CN" altLang="en-US" sz="900" dirty="0"/>
+              <a:t>队列同步器</a:t>
+            </a:r>
+            <a:r>
+              <a:rPr lang="en-US" altLang="zh-CN" sz="900" dirty="0"/>
+              <a:t>AQS</a:t>
+            </a:r>
+            <a:endParaRPr lang="zh-CN" altLang="en-US" sz="900" dirty="0"/>
+          </a:p>
+        </p:txBody>
+      </p:sp>
+      <p:sp>
+        <p:nvSpPr>
+          <p:cNvPr id="72" name="文本框 71">
+            <a:extLst>
+              <a:ext uri="{FF2B5EF4-FFF2-40B4-BE49-F238E27FC236}">
+                <a16:creationId xmlns:a16="http://schemas.microsoft.com/office/drawing/2014/main" id="{CECB28B9-A213-4734-8D8D-AD427FA6E00C}"/>
+              </a:ext>
+            </a:extLst>
+          </p:cNvPr>
+          <p:cNvSpPr txBox="1"/>
+          <p:nvPr/>
+        </p:nvSpPr>
+        <p:spPr>
+          <a:xfrm>
+            <a:off x="7060292" y="4816142"/>
+            <a:ext cx="1468061" cy="230832"/>
+          </a:xfrm>
+          <a:prstGeom prst="rect">
+            <a:avLst/>
+          </a:prstGeom>
+          <a:noFill/>
+        </p:spPr>
+        <p:txBody>
+          <a:bodyPr wrap="square" rtlCol="0">
+            <a:spAutoFit/>
+          </a:bodyPr>
+          <a:lstStyle/>
+          <a:p>
+            <a:r>
+              <a:rPr lang="zh-CN" altLang="en-US" sz="900" dirty="0"/>
+              <a:t>可重入锁</a:t>
+            </a:r>
+            <a:r>
+              <a:rPr lang="en-US" altLang="zh-CN" sz="900" dirty="0"/>
+              <a:t>(</a:t>
+            </a:r>
+            <a:r>
+              <a:rPr lang="en-US" altLang="zh-CN" sz="900" dirty="0" err="1"/>
+              <a:t>ReentrantLock</a:t>
+            </a:r>
+            <a:r>
+              <a:rPr lang="en-US" altLang="zh-CN" sz="900" dirty="0"/>
+              <a:t>)</a:t>
+            </a:r>
+            <a:endParaRPr lang="zh-CN" altLang="en-US" sz="900" dirty="0"/>
+          </a:p>
+        </p:txBody>
+      </p:sp>
+      <p:sp>
+        <p:nvSpPr>
+          <p:cNvPr id="73" name="文本框 72">
+            <a:extLst>
+              <a:ext uri="{FF2B5EF4-FFF2-40B4-BE49-F238E27FC236}">
+                <a16:creationId xmlns:a16="http://schemas.microsoft.com/office/drawing/2014/main" id="{7A4BD297-614A-4081-9977-F31E1052D6FF}"/>
+              </a:ext>
+            </a:extLst>
+          </p:cNvPr>
+          <p:cNvSpPr txBox="1"/>
+          <p:nvPr/>
+        </p:nvSpPr>
+        <p:spPr>
+          <a:xfrm>
+            <a:off x="7074522" y="5148217"/>
+            <a:ext cx="1788305" cy="230832"/>
+          </a:xfrm>
+          <a:prstGeom prst="rect">
+            <a:avLst/>
+          </a:prstGeom>
+          <a:noFill/>
+        </p:spPr>
+        <p:txBody>
+          <a:bodyPr wrap="square" rtlCol="0">
+            <a:spAutoFit/>
+          </a:bodyPr>
+          <a:lstStyle/>
+          <a:p>
+            <a:r>
+              <a:rPr lang="zh-CN" altLang="en-US" sz="900" dirty="0"/>
+              <a:t>读写锁</a:t>
+            </a:r>
+            <a:r>
+              <a:rPr lang="en-US" altLang="zh-CN" sz="900" dirty="0"/>
+              <a:t>(</a:t>
+            </a:r>
+            <a:r>
+              <a:rPr lang="en-US" altLang="zh-CN" sz="900" dirty="0" err="1"/>
+              <a:t>ReentrantReadWriteLock</a:t>
+            </a:r>
+            <a:r>
+              <a:rPr lang="en-US" altLang="zh-CN" sz="900" dirty="0"/>
+              <a:t>)</a:t>
+            </a:r>
+            <a:endParaRPr lang="zh-CN" altLang="en-US" sz="900" dirty="0"/>
+          </a:p>
+        </p:txBody>
+      </p:sp>
+      <p:sp>
+        <p:nvSpPr>
+          <p:cNvPr id="74" name="文本框 73">
+            <a:extLst>
+              <a:ext uri="{FF2B5EF4-FFF2-40B4-BE49-F238E27FC236}">
+                <a16:creationId xmlns:a16="http://schemas.microsoft.com/office/drawing/2014/main" id="{D5226223-3DCF-42B7-A7C8-0A8F044162FC}"/>
+              </a:ext>
+            </a:extLst>
+          </p:cNvPr>
+          <p:cNvSpPr txBox="1"/>
+          <p:nvPr/>
+        </p:nvSpPr>
+        <p:spPr>
+          <a:xfrm>
+            <a:off x="7043693" y="5356799"/>
+            <a:ext cx="714177" cy="230832"/>
+          </a:xfrm>
+          <a:prstGeom prst="rect">
+            <a:avLst/>
+          </a:prstGeom>
+          <a:noFill/>
+        </p:spPr>
+        <p:txBody>
+          <a:bodyPr wrap="square" rtlCol="0">
+            <a:spAutoFit/>
+          </a:bodyPr>
+          <a:lstStyle/>
+          <a:p>
+            <a:r>
+              <a:rPr lang="en-US" altLang="zh-CN" sz="900" dirty="0"/>
+              <a:t>Condition</a:t>
+            </a:r>
+            <a:endParaRPr lang="zh-CN" altLang="en-US" sz="900" dirty="0"/>
+          </a:p>
+        </p:txBody>
+      </p:sp>
     </p:spTree>
     <p:extLst>
       <p:ext uri="{BB962C8B-B14F-4D97-AF65-F5344CB8AC3E}">
